--- a/PowerPoints/Threading Vs Processing.pptx
+++ b/PowerPoints/Threading Vs Processing.pptx
@@ -8,12 +8,13 @@
     <p:sldId id="256" r:id="rId2"/>
     <p:sldId id="258" r:id="rId3"/>
     <p:sldId id="259" r:id="rId4"/>
-    <p:sldId id="260" r:id="rId5"/>
-    <p:sldId id="261" r:id="rId6"/>
-    <p:sldId id="257" r:id="rId7"/>
-    <p:sldId id="262" r:id="rId8"/>
-    <p:sldId id="263" r:id="rId9"/>
-    <p:sldId id="264" r:id="rId10"/>
+    <p:sldId id="265" r:id="rId5"/>
+    <p:sldId id="260" r:id="rId6"/>
+    <p:sldId id="261" r:id="rId7"/>
+    <p:sldId id="257" r:id="rId8"/>
+    <p:sldId id="262" r:id="rId9"/>
+    <p:sldId id="263" r:id="rId10"/>
+    <p:sldId id="264" r:id="rId11"/>
   </p:sldIdLst>
   <p:sldSz cx="12192000" cy="6858000"/>
   <p:notesSz cx="6858000" cy="9144000"/>
@@ -267,7 +268,7 @@
           <a:p>
             <a:fld id="{403CB87E-4591-47A1-9046-CF63F17215EF}" type="datetime2">
               <a:rPr lang="en-US" smtClean="0"/>
-              <a:t>Monday, September 21, 2020</a:t>
+              <a:t>Friday, October 22, 2021</a:t>
             </a:fld>
             <a:endParaRPr lang="en-US" dirty="0"/>
           </a:p>
@@ -469,7 +470,7 @@
           <a:p>
             <a:fld id="{2FA17F0E-8070-4DFE-A821-9A699EDBAD7E}" type="datetime2">
               <a:rPr lang="en-US" smtClean="0"/>
-              <a:t>Monday, September 21, 2020</a:t>
+              <a:t>Friday, October 22, 2021</a:t>
             </a:fld>
             <a:endParaRPr lang="en-US"/>
           </a:p>
@@ -681,7 +682,7 @@
           <a:p>
             <a:fld id="{D88D34AE-C7BF-46E5-A968-01C6641F6476}" type="datetime2">
               <a:rPr lang="en-US" smtClean="0"/>
-              <a:t>Monday, September 21, 2020</a:t>
+              <a:t>Friday, October 22, 2021</a:t>
             </a:fld>
             <a:endParaRPr lang="en-US"/>
           </a:p>
@@ -883,7 +884,7 @@
           <a:p>
             <a:fld id="{F33DE70B-B772-416E-A790-995760B1742E}" type="datetime2">
               <a:rPr lang="en-US" smtClean="0"/>
-              <a:t>Monday, September 21, 2020</a:t>
+              <a:t>Friday, October 22, 2021</a:t>
             </a:fld>
             <a:endParaRPr lang="en-US" dirty="0"/>
           </a:p>
@@ -1163,7 +1164,7 @@
           <a:p>
             <a:fld id="{76760CDE-A6F1-4138-AF12-ED09E8E5FB6B}" type="datetime2">
               <a:rPr lang="en-US" smtClean="0"/>
-              <a:t>Monday, September 21, 2020</a:t>
+              <a:t>Friday, October 22, 2021</a:t>
             </a:fld>
             <a:endParaRPr lang="en-US"/>
           </a:p>
@@ -1432,7 +1433,7 @@
           <a:p>
             <a:fld id="{DB15F8B1-DB7B-4D28-A97D-40FB2DD1EF78}" type="datetime2">
               <a:rPr lang="en-US" smtClean="0"/>
-              <a:t>Monday, September 21, 2020</a:t>
+              <a:t>Friday, October 22, 2021</a:t>
             </a:fld>
             <a:endParaRPr lang="en-US"/>
           </a:p>
@@ -1848,7 +1849,7 @@
           <a:p>
             <a:fld id="{14039161-23B8-4738-9069-73EBE8884FDD}" type="datetime2">
               <a:rPr lang="en-US" smtClean="0"/>
-              <a:t>Monday, September 21, 2020</a:t>
+              <a:t>Friday, October 22, 2021</a:t>
             </a:fld>
             <a:endParaRPr lang="en-US"/>
           </a:p>
@@ -1993,7 +1994,7 @@
           <a:p>
             <a:fld id="{FA994D44-7693-499F-AC6C-11696134FE3F}" type="datetime2">
               <a:rPr lang="en-US" smtClean="0"/>
-              <a:t>Monday, September 21, 2020</a:t>
+              <a:t>Friday, October 22, 2021</a:t>
             </a:fld>
             <a:endParaRPr lang="en-US"/>
           </a:p>
@@ -2110,7 +2111,7 @@
           <a:p>
             <a:fld id="{363AF2AE-472C-4EF3-ABB2-24BAA9AE3CF7}" type="datetime2">
               <a:rPr lang="en-US" smtClean="0"/>
-              <a:t>Monday, September 21, 2020</a:t>
+              <a:t>Friday, October 22, 2021</a:t>
             </a:fld>
             <a:endParaRPr lang="en-US"/>
           </a:p>
@@ -2425,7 +2426,7 @@
           <a:p>
             <a:fld id="{EAEA162C-A7C1-4263-9453-1BAFF8C39559}" type="datetime2">
               <a:rPr lang="en-US" smtClean="0"/>
-              <a:t>Monday, September 21, 2020</a:t>
+              <a:t>Friday, October 22, 2021</a:t>
             </a:fld>
             <a:endParaRPr lang="en-US"/>
           </a:p>
@@ -2717,7 +2718,7 @@
           <a:p>
             <a:fld id="{64DF6793-3458-4587-8168-65F0C37A92D2}" type="datetime2">
               <a:rPr lang="en-US" smtClean="0"/>
-              <a:t>Monday, September 21, 2020</a:t>
+              <a:t>Friday, October 22, 2021</a:t>
             </a:fld>
             <a:endParaRPr lang="en-US"/>
           </a:p>
@@ -2963,7 +2964,7 @@
             <a:fld id="{E8352ED3-3C46-4C9A-9738-67B2D875E7E2}" type="datetime2">
               <a:rPr lang="en-US" smtClean="0"/>
               <a:pPr/>
-              <a:t>Monday, September 21, 2020</a:t>
+              <a:t>Friday, October 22, 2021</a:t>
             </a:fld>
             <a:endParaRPr lang="en-US" dirty="0"/>
           </a:p>
@@ -3518,6 +3519,746 @@
 </p:sld>
 </file>
 
+<file path=ppt/slides/slide10.xml><?xml version="1.0" encoding="utf-8"?>
+<p:sld xmlns:a="http://schemas.openxmlformats.org/drawingml/2006/main" xmlns:r="http://schemas.openxmlformats.org/officeDocument/2006/relationships" xmlns:p="http://schemas.openxmlformats.org/presentationml/2006/main">
+  <p:cSld>
+    <p:spTree>
+      <p:nvGrpSpPr>
+        <p:cNvPr id="1" name=""/>
+        <p:cNvGrpSpPr/>
+        <p:nvPr/>
+      </p:nvGrpSpPr>
+      <p:grpSpPr>
+        <a:xfrm>
+          <a:off x="0" y="0"/>
+          <a:ext cx="0" cy="0"/>
+          <a:chOff x="0" y="0"/>
+          <a:chExt cx="0" cy="0"/>
+        </a:xfrm>
+      </p:grpSpPr>
+      <p:sp>
+        <p:nvSpPr>
+          <p:cNvPr id="4" name="TextBox 3">
+            <a:extLst>
+              <a:ext uri="{FF2B5EF4-FFF2-40B4-BE49-F238E27FC236}">
+                <a16:creationId xmlns:a16="http://schemas.microsoft.com/office/drawing/2014/main" id="{3CD35897-3585-FE4B-8434-11971309CD3C}"/>
+              </a:ext>
+            </a:extLst>
+          </p:cNvPr>
+          <p:cNvSpPr txBox="1"/>
+          <p:nvPr/>
+        </p:nvSpPr>
+        <p:spPr>
+          <a:xfrm>
+            <a:off x="1283713" y="622113"/>
+            <a:ext cx="2896049" cy="2031325"/>
+          </a:xfrm>
+          <a:prstGeom prst="rect">
+            <a:avLst/>
+          </a:prstGeom>
+          <a:noFill/>
+        </p:spPr>
+        <p:txBody>
+          <a:bodyPr wrap="none" rtlCol="0">
+            <a:spAutoFit/>
+          </a:bodyPr>
+          <a:lstStyle/>
+          <a:p>
+            <a:r>
+              <a:rPr lang="en-US" b="1" dirty="0">
+                <a:solidFill>
+                  <a:schemeClr val="accent1">
+                    <a:lumMod val="75000"/>
+                  </a:schemeClr>
+                </a:solidFill>
+              </a:rPr>
+              <a:t>def</a:t>
+            </a:r>
+            <a:r>
+              <a:rPr lang="en-US" b="1" dirty="0"/>
+              <a:t> </a:t>
+            </a:r>
+            <a:r>
+              <a:rPr lang="en-US" dirty="0" err="1"/>
+              <a:t>func</a:t>
+            </a:r>
+            <a:r>
+              <a:rPr lang="en-US" dirty="0"/>
+              <a:t>():</a:t>
+            </a:r>
+            <a:br>
+              <a:rPr lang="en-US" dirty="0"/>
+            </a:br>
+            <a:r>
+              <a:rPr lang="en-US" dirty="0"/>
+              <a:t>    </a:t>
+            </a:r>
+            <a:r>
+              <a:rPr lang="en-US" dirty="0">
+                <a:solidFill>
+                  <a:schemeClr val="accent1">
+                    <a:lumMod val="50000"/>
+                  </a:schemeClr>
+                </a:solidFill>
+              </a:rPr>
+              <a:t>print</a:t>
+            </a:r>
+            <a:r>
+              <a:rPr lang="en-US" dirty="0"/>
+              <a:t>("Sleep for 1 second")</a:t>
+            </a:r>
+            <a:br>
+              <a:rPr lang="en-US" dirty="0"/>
+            </a:br>
+            <a:r>
+              <a:rPr lang="en-US" dirty="0"/>
+              <a:t>    sleep(1)</a:t>
+            </a:r>
+            <a:br>
+              <a:rPr lang="en-US" dirty="0"/>
+            </a:br>
+            <a:br>
+              <a:rPr lang="en-US" dirty="0"/>
+            </a:br>
+            <a:br>
+              <a:rPr lang="en-US" dirty="0"/>
+            </a:br>
+            <a:r>
+              <a:rPr lang="en-US" dirty="0" err="1"/>
+              <a:t>func</a:t>
+            </a:r>
+            <a:r>
+              <a:rPr lang="en-US" dirty="0"/>
+              <a:t>()</a:t>
+            </a:r>
+            <a:br>
+              <a:rPr lang="en-US" dirty="0"/>
+            </a:br>
+            <a:r>
+              <a:rPr lang="en-US" dirty="0" err="1"/>
+              <a:t>func</a:t>
+            </a:r>
+            <a:r>
+              <a:rPr lang="en-US" dirty="0"/>
+              <a:t>()</a:t>
+            </a:r>
+          </a:p>
+        </p:txBody>
+      </p:sp>
+      <p:pic>
+        <p:nvPicPr>
+          <p:cNvPr id="6" name="Picture 5" descr="A screenshot of a cell phone&#10;&#10;Description automatically generated">
+            <a:extLst>
+              <a:ext uri="{FF2B5EF4-FFF2-40B4-BE49-F238E27FC236}">
+                <a16:creationId xmlns:a16="http://schemas.microsoft.com/office/drawing/2014/main" id="{A35CA63D-A2B5-A647-A321-4827E86D4E04}"/>
+              </a:ext>
+            </a:extLst>
+          </p:cNvPr>
+          <p:cNvPicPr>
+            <a:picLocks noChangeAspect="1"/>
+          </p:cNvPicPr>
+          <p:nvPr/>
+        </p:nvPicPr>
+        <p:blipFill>
+          <a:blip r:embed="rId2"/>
+          <a:stretch>
+            <a:fillRect/>
+          </a:stretch>
+        </p:blipFill>
+        <p:spPr>
+          <a:xfrm>
+            <a:off x="6096000" y="958325"/>
+            <a:ext cx="4991100" cy="1358900"/>
+          </a:xfrm>
+          <a:prstGeom prst="rect">
+            <a:avLst/>
+          </a:prstGeom>
+        </p:spPr>
+      </p:pic>
+      <p:sp>
+        <p:nvSpPr>
+          <p:cNvPr id="7" name="Right Arrow 6">
+            <a:extLst>
+              <a:ext uri="{FF2B5EF4-FFF2-40B4-BE49-F238E27FC236}">
+                <a16:creationId xmlns:a16="http://schemas.microsoft.com/office/drawing/2014/main" id="{164F32E5-A57B-4945-B83E-5F26B7F60EC8}"/>
+              </a:ext>
+            </a:extLst>
+          </p:cNvPr>
+          <p:cNvSpPr/>
+          <p:nvPr/>
+        </p:nvSpPr>
+        <p:spPr>
+          <a:xfrm>
+            <a:off x="4536958" y="1474938"/>
+            <a:ext cx="886812" cy="325677"/>
+          </a:xfrm>
+          <a:prstGeom prst="rightArrow">
+            <a:avLst/>
+          </a:prstGeom>
+        </p:spPr>
+        <p:style>
+          <a:lnRef idx="2">
+            <a:schemeClr val="accent1">
+              <a:shade val="50000"/>
+            </a:schemeClr>
+          </a:lnRef>
+          <a:fillRef idx="1">
+            <a:schemeClr val="accent1"/>
+          </a:fillRef>
+          <a:effectRef idx="0">
+            <a:schemeClr val="accent1"/>
+          </a:effectRef>
+          <a:fontRef idx="minor">
+            <a:schemeClr val="lt1"/>
+          </a:fontRef>
+        </p:style>
+        <p:txBody>
+          <a:bodyPr rtlCol="0" anchor="ctr"/>
+          <a:lstStyle/>
+          <a:p>
+            <a:pPr algn="ctr"/>
+            <a:endParaRPr lang="en-US"/>
+          </a:p>
+        </p:txBody>
+      </p:sp>
+      <p:sp>
+        <p:nvSpPr>
+          <p:cNvPr id="10" name="TextBox 9">
+            <a:extLst>
+              <a:ext uri="{FF2B5EF4-FFF2-40B4-BE49-F238E27FC236}">
+                <a16:creationId xmlns:a16="http://schemas.microsoft.com/office/drawing/2014/main" id="{5FC615C0-66FB-EF41-BF17-79371234282D}"/>
+              </a:ext>
+            </a:extLst>
+          </p:cNvPr>
+          <p:cNvSpPr txBox="1"/>
+          <p:nvPr/>
+        </p:nvSpPr>
+        <p:spPr>
+          <a:xfrm>
+            <a:off x="1283713" y="4708711"/>
+            <a:ext cx="2294603" cy="369332"/>
+          </a:xfrm>
+          <a:prstGeom prst="rect">
+            <a:avLst/>
+          </a:prstGeom>
+          <a:noFill/>
+        </p:spPr>
+        <p:txBody>
+          <a:bodyPr wrap="none" rtlCol="0">
+            <a:spAutoFit/>
+          </a:bodyPr>
+          <a:lstStyle/>
+          <a:p>
+            <a:r>
+              <a:rPr lang="en-US" b="1" dirty="0"/>
+              <a:t>Using Multiprocessing</a:t>
+            </a:r>
+          </a:p>
+        </p:txBody>
+      </p:sp>
+      <p:sp>
+        <p:nvSpPr>
+          <p:cNvPr id="15" name="Right Arrow 14">
+            <a:extLst>
+              <a:ext uri="{FF2B5EF4-FFF2-40B4-BE49-F238E27FC236}">
+                <a16:creationId xmlns:a16="http://schemas.microsoft.com/office/drawing/2014/main" id="{F21DD668-0186-CC42-89F1-11AA5984BFB9}"/>
+              </a:ext>
+            </a:extLst>
+          </p:cNvPr>
+          <p:cNvSpPr/>
+          <p:nvPr/>
+        </p:nvSpPr>
+        <p:spPr>
+          <a:xfrm>
+            <a:off x="4536958" y="4699761"/>
+            <a:ext cx="886812" cy="325677"/>
+          </a:xfrm>
+          <a:prstGeom prst="rightArrow">
+            <a:avLst/>
+          </a:prstGeom>
+        </p:spPr>
+        <p:style>
+          <a:lnRef idx="2">
+            <a:schemeClr val="accent1">
+              <a:shade val="50000"/>
+            </a:schemeClr>
+          </a:lnRef>
+          <a:fillRef idx="1">
+            <a:schemeClr val="accent1"/>
+          </a:fillRef>
+          <a:effectRef idx="0">
+            <a:schemeClr val="accent1"/>
+          </a:effectRef>
+          <a:fontRef idx="minor">
+            <a:schemeClr val="lt1"/>
+          </a:fontRef>
+        </p:style>
+        <p:txBody>
+          <a:bodyPr rtlCol="0" anchor="ctr"/>
+          <a:lstStyle/>
+          <a:p>
+            <a:pPr algn="ctr"/>
+            <a:endParaRPr lang="en-US"/>
+          </a:p>
+        </p:txBody>
+      </p:sp>
+      <p:pic>
+        <p:nvPicPr>
+          <p:cNvPr id="8" name="Picture 7" descr="A screenshot of a cell phone&#10;&#10;Description automatically generated">
+            <a:extLst>
+              <a:ext uri="{FF2B5EF4-FFF2-40B4-BE49-F238E27FC236}">
+                <a16:creationId xmlns:a16="http://schemas.microsoft.com/office/drawing/2014/main" id="{DA782B30-3126-7B47-96A6-1B02751D6000}"/>
+              </a:ext>
+            </a:extLst>
+          </p:cNvPr>
+          <p:cNvPicPr>
+            <a:picLocks noChangeAspect="1"/>
+          </p:cNvPicPr>
+          <p:nvPr/>
+        </p:nvPicPr>
+        <p:blipFill>
+          <a:blip r:embed="rId3"/>
+          <a:stretch>
+            <a:fillRect/>
+          </a:stretch>
+        </p:blipFill>
+        <p:spPr>
+          <a:xfrm>
+            <a:off x="6096000" y="3429000"/>
+            <a:ext cx="4318868" cy="2751129"/>
+          </a:xfrm>
+          <a:prstGeom prst="rect">
+            <a:avLst/>
+          </a:prstGeom>
+        </p:spPr>
+      </p:pic>
+      <p:sp>
+        <p:nvSpPr>
+          <p:cNvPr id="11" name="TextBox 10">
+            <a:extLst>
+              <a:ext uri="{FF2B5EF4-FFF2-40B4-BE49-F238E27FC236}">
+                <a16:creationId xmlns:a16="http://schemas.microsoft.com/office/drawing/2014/main" id="{44C505BB-0D78-2C49-BD08-87B5789C9249}"/>
+              </a:ext>
+            </a:extLst>
+          </p:cNvPr>
+          <p:cNvSpPr txBox="1"/>
+          <p:nvPr/>
+        </p:nvSpPr>
+        <p:spPr>
+          <a:xfrm>
+            <a:off x="7315200" y="3059668"/>
+            <a:ext cx="1067408" cy="369332"/>
+          </a:xfrm>
+          <a:prstGeom prst="rect">
+            <a:avLst/>
+          </a:prstGeom>
+          <a:noFill/>
+        </p:spPr>
+        <p:txBody>
+          <a:bodyPr wrap="none" rtlCol="0">
+            <a:spAutoFit/>
+          </a:bodyPr>
+          <a:lstStyle/>
+          <a:p>
+            <a:r>
+              <a:rPr lang="en-US" dirty="0"/>
+              <a:t>process 1</a:t>
+            </a:r>
+          </a:p>
+        </p:txBody>
+      </p:sp>
+      <p:sp>
+        <p:nvSpPr>
+          <p:cNvPr id="13" name="TextBox 12">
+            <a:extLst>
+              <a:ext uri="{FF2B5EF4-FFF2-40B4-BE49-F238E27FC236}">
+                <a16:creationId xmlns:a16="http://schemas.microsoft.com/office/drawing/2014/main" id="{2FE74887-E024-CF42-A619-BE029BB754B1}"/>
+              </a:ext>
+            </a:extLst>
+          </p:cNvPr>
+          <p:cNvSpPr txBox="1"/>
+          <p:nvPr/>
+        </p:nvSpPr>
+        <p:spPr>
+          <a:xfrm>
+            <a:off x="7315200" y="5210201"/>
+            <a:ext cx="1067408" cy="369332"/>
+          </a:xfrm>
+          <a:prstGeom prst="rect">
+            <a:avLst/>
+          </a:prstGeom>
+          <a:noFill/>
+        </p:spPr>
+        <p:txBody>
+          <a:bodyPr wrap="none" rtlCol="0">
+            <a:spAutoFit/>
+          </a:bodyPr>
+          <a:lstStyle/>
+          <a:p>
+            <a:r>
+              <a:rPr lang="en-US" dirty="0"/>
+              <a:t>process 2</a:t>
+            </a:r>
+          </a:p>
+        </p:txBody>
+      </p:sp>
+    </p:spTree>
+    <p:extLst>
+      <p:ext uri="{BB962C8B-B14F-4D97-AF65-F5344CB8AC3E}">
+        <p14:creationId xmlns:p14="http://schemas.microsoft.com/office/powerpoint/2010/main" val="4138443157"/>
+      </p:ext>
+    </p:extLst>
+  </p:cSld>
+  <p:clrMapOvr>
+    <a:masterClrMapping/>
+  </p:clrMapOvr>
+  <p:timing>
+    <p:tnLst>
+      <p:par>
+        <p:cTn id="1" dur="indefinite" restart="never" nodeType="tmRoot">
+          <p:childTnLst>
+            <p:seq concurrent="1" nextAc="seek">
+              <p:cTn id="2" dur="indefinite" nodeType="mainSeq">
+                <p:childTnLst>
+                  <p:par>
+                    <p:cTn id="3" fill="hold">
+                      <p:stCondLst>
+                        <p:cond delay="indefinite"/>
+                      </p:stCondLst>
+                      <p:childTnLst>
+                        <p:par>
+                          <p:cTn id="4" fill="hold">
+                            <p:stCondLst>
+                              <p:cond delay="0"/>
+                            </p:stCondLst>
+                            <p:childTnLst>
+                              <p:par>
+                                <p:cTn id="5" presetID="12" presetClass="entr" presetSubtype="4" fill="hold" grpId="0" nodeType="clickEffect">
+                                  <p:stCondLst>
+                                    <p:cond delay="0"/>
+                                  </p:stCondLst>
+                                  <p:childTnLst>
+                                    <p:set>
+                                      <p:cBhvr>
+                                        <p:cTn id="6" dur="1" fill="hold">
+                                          <p:stCondLst>
+                                            <p:cond delay="0"/>
+                                          </p:stCondLst>
+                                        </p:cTn>
+                                        <p:tgtEl>
+                                          <p:spTgt spid="10"/>
+                                        </p:tgtEl>
+                                        <p:attrNameLst>
+                                          <p:attrName>style.visibility</p:attrName>
+                                        </p:attrNameLst>
+                                      </p:cBhvr>
+                                      <p:to>
+                                        <p:strVal val="visible"/>
+                                      </p:to>
+                                    </p:set>
+                                    <p:anim calcmode="lin" valueType="num">
+                                      <p:cBhvr additive="base">
+                                        <p:cTn id="7" dur="500"/>
+                                        <p:tgtEl>
+                                          <p:spTgt spid="10"/>
+                                        </p:tgtEl>
+                                        <p:attrNameLst>
+                                          <p:attrName>ppt_y</p:attrName>
+                                        </p:attrNameLst>
+                                      </p:cBhvr>
+                                      <p:tavLst>
+                                        <p:tav tm="0">
+                                          <p:val>
+                                            <p:strVal val="#ppt_y+#ppt_h*1.125000"/>
+                                          </p:val>
+                                        </p:tav>
+                                        <p:tav tm="100000">
+                                          <p:val>
+                                            <p:strVal val="#ppt_y"/>
+                                          </p:val>
+                                        </p:tav>
+                                      </p:tavLst>
+                                    </p:anim>
+                                    <p:animEffect transition="in" filter="wipe(up)">
+                                      <p:cBhvr>
+                                        <p:cTn id="8" dur="500"/>
+                                        <p:tgtEl>
+                                          <p:spTgt spid="10"/>
+                                        </p:tgtEl>
+                                      </p:cBhvr>
+                                    </p:animEffect>
+                                  </p:childTnLst>
+                                </p:cTn>
+                              </p:par>
+                              <p:par>
+                                <p:cTn id="9" presetID="12" presetClass="entr" presetSubtype="4" fill="hold" grpId="0" nodeType="withEffect">
+                                  <p:stCondLst>
+                                    <p:cond delay="0"/>
+                                  </p:stCondLst>
+                                  <p:childTnLst>
+                                    <p:set>
+                                      <p:cBhvr>
+                                        <p:cTn id="10" dur="1" fill="hold">
+                                          <p:stCondLst>
+                                            <p:cond delay="0"/>
+                                          </p:stCondLst>
+                                        </p:cTn>
+                                        <p:tgtEl>
+                                          <p:spTgt spid="15"/>
+                                        </p:tgtEl>
+                                        <p:attrNameLst>
+                                          <p:attrName>style.visibility</p:attrName>
+                                        </p:attrNameLst>
+                                      </p:cBhvr>
+                                      <p:to>
+                                        <p:strVal val="visible"/>
+                                      </p:to>
+                                    </p:set>
+                                    <p:anim calcmode="lin" valueType="num">
+                                      <p:cBhvr additive="base">
+                                        <p:cTn id="11" dur="500"/>
+                                        <p:tgtEl>
+                                          <p:spTgt spid="15"/>
+                                        </p:tgtEl>
+                                        <p:attrNameLst>
+                                          <p:attrName>ppt_y</p:attrName>
+                                        </p:attrNameLst>
+                                      </p:cBhvr>
+                                      <p:tavLst>
+                                        <p:tav tm="0">
+                                          <p:val>
+                                            <p:strVal val="#ppt_y+#ppt_h*1.125000"/>
+                                          </p:val>
+                                        </p:tav>
+                                        <p:tav tm="100000">
+                                          <p:val>
+                                            <p:strVal val="#ppt_y"/>
+                                          </p:val>
+                                        </p:tav>
+                                      </p:tavLst>
+                                    </p:anim>
+                                    <p:animEffect transition="in" filter="wipe(up)">
+                                      <p:cBhvr>
+                                        <p:cTn id="12" dur="500"/>
+                                        <p:tgtEl>
+                                          <p:spTgt spid="15"/>
+                                        </p:tgtEl>
+                                      </p:cBhvr>
+                                    </p:animEffect>
+                                  </p:childTnLst>
+                                </p:cTn>
+                              </p:par>
+                              <p:par>
+                                <p:cTn id="13" presetID="12" presetClass="entr" presetSubtype="4" fill="hold" nodeType="withEffect">
+                                  <p:stCondLst>
+                                    <p:cond delay="0"/>
+                                  </p:stCondLst>
+                                  <p:childTnLst>
+                                    <p:set>
+                                      <p:cBhvr>
+                                        <p:cTn id="14" dur="1" fill="hold">
+                                          <p:stCondLst>
+                                            <p:cond delay="0"/>
+                                          </p:stCondLst>
+                                        </p:cTn>
+                                        <p:tgtEl>
+                                          <p:spTgt spid="8"/>
+                                        </p:tgtEl>
+                                        <p:attrNameLst>
+                                          <p:attrName>style.visibility</p:attrName>
+                                        </p:attrNameLst>
+                                      </p:cBhvr>
+                                      <p:to>
+                                        <p:strVal val="visible"/>
+                                      </p:to>
+                                    </p:set>
+                                    <p:anim calcmode="lin" valueType="num">
+                                      <p:cBhvr additive="base">
+                                        <p:cTn id="15" dur="500"/>
+                                        <p:tgtEl>
+                                          <p:spTgt spid="8"/>
+                                        </p:tgtEl>
+                                        <p:attrNameLst>
+                                          <p:attrName>ppt_y</p:attrName>
+                                        </p:attrNameLst>
+                                      </p:cBhvr>
+                                      <p:tavLst>
+                                        <p:tav tm="0">
+                                          <p:val>
+                                            <p:strVal val="#ppt_y+#ppt_h*1.125000"/>
+                                          </p:val>
+                                        </p:tav>
+                                        <p:tav tm="100000">
+                                          <p:val>
+                                            <p:strVal val="#ppt_y"/>
+                                          </p:val>
+                                        </p:tav>
+                                      </p:tavLst>
+                                    </p:anim>
+                                    <p:animEffect transition="in" filter="wipe(up)">
+                                      <p:cBhvr>
+                                        <p:cTn id="16" dur="500"/>
+                                        <p:tgtEl>
+                                          <p:spTgt spid="8"/>
+                                        </p:tgtEl>
+                                      </p:cBhvr>
+                                    </p:animEffect>
+                                  </p:childTnLst>
+                                </p:cTn>
+                              </p:par>
+                              <p:par>
+                                <p:cTn id="17" presetID="12" presetClass="entr" presetSubtype="4" fill="hold" grpId="0" nodeType="withEffect">
+                                  <p:stCondLst>
+                                    <p:cond delay="0"/>
+                                  </p:stCondLst>
+                                  <p:childTnLst>
+                                    <p:set>
+                                      <p:cBhvr>
+                                        <p:cTn id="18" dur="1" fill="hold">
+                                          <p:stCondLst>
+                                            <p:cond delay="0"/>
+                                          </p:stCondLst>
+                                        </p:cTn>
+                                        <p:tgtEl>
+                                          <p:spTgt spid="11"/>
+                                        </p:tgtEl>
+                                        <p:attrNameLst>
+                                          <p:attrName>style.visibility</p:attrName>
+                                        </p:attrNameLst>
+                                      </p:cBhvr>
+                                      <p:to>
+                                        <p:strVal val="visible"/>
+                                      </p:to>
+                                    </p:set>
+                                    <p:anim calcmode="lin" valueType="num">
+                                      <p:cBhvr additive="base">
+                                        <p:cTn id="19" dur="500"/>
+                                        <p:tgtEl>
+                                          <p:spTgt spid="11"/>
+                                        </p:tgtEl>
+                                        <p:attrNameLst>
+                                          <p:attrName>ppt_y</p:attrName>
+                                        </p:attrNameLst>
+                                      </p:cBhvr>
+                                      <p:tavLst>
+                                        <p:tav tm="0">
+                                          <p:val>
+                                            <p:strVal val="#ppt_y+#ppt_h*1.125000"/>
+                                          </p:val>
+                                        </p:tav>
+                                        <p:tav tm="100000">
+                                          <p:val>
+                                            <p:strVal val="#ppt_y"/>
+                                          </p:val>
+                                        </p:tav>
+                                      </p:tavLst>
+                                    </p:anim>
+                                    <p:animEffect transition="in" filter="wipe(up)">
+                                      <p:cBhvr>
+                                        <p:cTn id="20" dur="500"/>
+                                        <p:tgtEl>
+                                          <p:spTgt spid="11"/>
+                                        </p:tgtEl>
+                                      </p:cBhvr>
+                                    </p:animEffect>
+                                  </p:childTnLst>
+                                </p:cTn>
+                              </p:par>
+                              <p:par>
+                                <p:cTn id="21" presetID="12" presetClass="entr" presetSubtype="4" fill="hold" grpId="0" nodeType="withEffect">
+                                  <p:stCondLst>
+                                    <p:cond delay="0"/>
+                                  </p:stCondLst>
+                                  <p:childTnLst>
+                                    <p:set>
+                                      <p:cBhvr>
+                                        <p:cTn id="22" dur="1" fill="hold">
+                                          <p:stCondLst>
+                                            <p:cond delay="0"/>
+                                          </p:stCondLst>
+                                        </p:cTn>
+                                        <p:tgtEl>
+                                          <p:spTgt spid="13"/>
+                                        </p:tgtEl>
+                                        <p:attrNameLst>
+                                          <p:attrName>style.visibility</p:attrName>
+                                        </p:attrNameLst>
+                                      </p:cBhvr>
+                                      <p:to>
+                                        <p:strVal val="visible"/>
+                                      </p:to>
+                                    </p:set>
+                                    <p:anim calcmode="lin" valueType="num">
+                                      <p:cBhvr additive="base">
+                                        <p:cTn id="23" dur="500"/>
+                                        <p:tgtEl>
+                                          <p:spTgt spid="13"/>
+                                        </p:tgtEl>
+                                        <p:attrNameLst>
+                                          <p:attrName>ppt_y</p:attrName>
+                                        </p:attrNameLst>
+                                      </p:cBhvr>
+                                      <p:tavLst>
+                                        <p:tav tm="0">
+                                          <p:val>
+                                            <p:strVal val="#ppt_y+#ppt_h*1.125000"/>
+                                          </p:val>
+                                        </p:tav>
+                                        <p:tav tm="100000">
+                                          <p:val>
+                                            <p:strVal val="#ppt_y"/>
+                                          </p:val>
+                                        </p:tav>
+                                      </p:tavLst>
+                                    </p:anim>
+                                    <p:animEffect transition="in" filter="wipe(up)">
+                                      <p:cBhvr>
+                                        <p:cTn id="24" dur="500"/>
+                                        <p:tgtEl>
+                                          <p:spTgt spid="13"/>
+                                        </p:tgtEl>
+                                      </p:cBhvr>
+                                    </p:animEffect>
+                                  </p:childTnLst>
+                                </p:cTn>
+                              </p:par>
+                            </p:childTnLst>
+                          </p:cTn>
+                        </p:par>
+                      </p:childTnLst>
+                    </p:cTn>
+                  </p:par>
+                </p:childTnLst>
+              </p:cTn>
+              <p:prevCondLst>
+                <p:cond evt="onPrev" delay="0">
+                  <p:tgtEl>
+                    <p:sldTgt/>
+                  </p:tgtEl>
+                </p:cond>
+              </p:prevCondLst>
+              <p:nextCondLst>
+                <p:cond evt="onNext" delay="0">
+                  <p:tgtEl>
+                    <p:sldTgt/>
+                  </p:tgtEl>
+                </p:cond>
+              </p:nextCondLst>
+            </p:seq>
+          </p:childTnLst>
+        </p:cTn>
+      </p:par>
+    </p:tnLst>
+    <p:bldLst>
+      <p:bldP spid="10" grpId="0"/>
+      <p:bldP spid="15" grpId="0" animBg="1"/>
+      <p:bldP spid="11" grpId="0"/>
+      <p:bldP spid="13" grpId="0"/>
+    </p:bldLst>
+  </p:timing>
+</p:sld>
+</file>
+
 <file path=ppt/slides/slide2.xml><?xml version="1.0" encoding="utf-8"?>
 <p:sld xmlns:a="http://schemas.openxmlformats.org/drawingml/2006/main" xmlns:r="http://schemas.openxmlformats.org/officeDocument/2006/relationships" xmlns:p="http://schemas.openxmlformats.org/presentationml/2006/main">
   <p:cSld>
@@ -3633,6 +4374,19 @@
             <a:r>
               <a:rPr lang="en-US" dirty="0"/>
               <a:t> is a single sequential flow of control within a program.</a:t>
+            </a:r>
+          </a:p>
+          <a:p>
+            <a:pPr marL="0" indent="0">
+              <a:buNone/>
+            </a:pPr>
+            <a:r>
+              <a:rPr lang="en-US" b="1" dirty="0"/>
+              <a:t>Multithreading</a:t>
+            </a:r>
+            <a:r>
+              <a:rPr lang="en-US" dirty="0"/>
+              <a:t> is running more than one thread in a program.</a:t>
             </a:r>
           </a:p>
         </p:txBody>
@@ -3722,9 +4476,15 @@
             </a:r>
           </a:p>
           <a:p>
-            <a:endParaRPr lang="en-US" dirty="0"/>
-          </a:p>
-          <a:p>
+            <a:r>
+              <a:rPr lang="en-US" dirty="0"/>
+              <a:t>Basically, any program running on your computer is a process.</a:t>
+            </a:r>
+          </a:p>
+          <a:p>
+            <a:pPr marL="0" indent="0">
+              <a:buNone/>
+            </a:pPr>
             <a:endParaRPr lang="en-US" dirty="0"/>
           </a:p>
           <a:p>
@@ -3756,6 +4516,116 @@
 </file>
 
 <file path=ppt/slides/slide4.xml><?xml version="1.0" encoding="utf-8"?>
+<p:sld xmlns:a="http://schemas.openxmlformats.org/drawingml/2006/main" xmlns:r="http://schemas.openxmlformats.org/officeDocument/2006/relationships" xmlns:p="http://schemas.openxmlformats.org/presentationml/2006/main">
+  <p:cSld>
+    <p:bg>
+      <p:bgPr>
+        <a:solidFill>
+          <a:schemeClr val="bg1"/>
+        </a:solidFill>
+        <a:effectLst/>
+      </p:bgPr>
+    </p:bg>
+    <p:spTree>
+      <p:nvGrpSpPr>
+        <p:cNvPr id="1" name=""/>
+        <p:cNvGrpSpPr/>
+        <p:nvPr/>
+      </p:nvGrpSpPr>
+      <p:grpSpPr>
+        <a:xfrm>
+          <a:off x="0" y="0"/>
+          <a:ext cx="0" cy="0"/>
+          <a:chOff x="0" y="0"/>
+          <a:chExt cx="0" cy="0"/>
+        </a:xfrm>
+      </p:grpSpPr>
+      <p:sp>
+        <p:nvSpPr>
+          <p:cNvPr id="2" name="Title 1">
+            <a:extLst>
+              <a:ext uri="{FF2B5EF4-FFF2-40B4-BE49-F238E27FC236}">
+                <a16:creationId xmlns:a16="http://schemas.microsoft.com/office/drawing/2014/main" id="{CA2EBD61-8D95-344C-8475-ACBCBD58C2E9}"/>
+              </a:ext>
+            </a:extLst>
+          </p:cNvPr>
+          <p:cNvSpPr>
+            <a:spLocks noGrp="1"/>
+          </p:cNvSpPr>
+          <p:nvPr>
+            <p:ph type="title"/>
+          </p:nvPr>
+        </p:nvSpPr>
+        <p:spPr>
+          <a:xfrm>
+            <a:off x="838199" y="291090"/>
+            <a:ext cx="10515599" cy="932688"/>
+          </a:xfrm>
+        </p:spPr>
+        <p:txBody>
+          <a:bodyPr vert="horz" lIns="91440" tIns="45720" rIns="91440" bIns="45720" rtlCol="0" anchor="b">
+            <a:normAutofit/>
+          </a:bodyPr>
+          <a:lstStyle/>
+          <a:p>
+            <a:r>
+              <a:rPr lang="en-US" sz="5400" kern="1200">
+                <a:solidFill>
+                  <a:schemeClr val="tx1"/>
+                </a:solidFill>
+                <a:latin typeface="+mj-lt"/>
+                <a:ea typeface="+mj-ea"/>
+                <a:cs typeface="+mj-cs"/>
+              </a:rPr>
+              <a:t>Activity Monitor on Mac</a:t>
+            </a:r>
+          </a:p>
+        </p:txBody>
+      </p:sp>
+      <p:pic>
+        <p:nvPicPr>
+          <p:cNvPr id="5" name="Picture 4" descr="Graphical user interface, application, table&#10;&#10;Description automatically generated">
+            <a:extLst>
+              <a:ext uri="{FF2B5EF4-FFF2-40B4-BE49-F238E27FC236}">
+                <a16:creationId xmlns:a16="http://schemas.microsoft.com/office/drawing/2014/main" id="{B00E68E4-13D8-964B-966E-5813CA9235C6}"/>
+              </a:ext>
+            </a:extLst>
+          </p:cNvPr>
+          <p:cNvPicPr>
+            <a:picLocks noChangeAspect="1"/>
+          </p:cNvPicPr>
+          <p:nvPr/>
+        </p:nvPicPr>
+        <p:blipFill>
+          <a:blip r:embed="rId2"/>
+          <a:stretch>
+            <a:fillRect/>
+          </a:stretch>
+        </p:blipFill>
+        <p:spPr>
+          <a:xfrm>
+            <a:off x="2113613" y="1236768"/>
+            <a:ext cx="7450111" cy="5326828"/>
+          </a:xfrm>
+          <a:prstGeom prst="rect">
+            <a:avLst/>
+          </a:prstGeom>
+        </p:spPr>
+      </p:pic>
+    </p:spTree>
+    <p:extLst>
+      <p:ext uri="{BB962C8B-B14F-4D97-AF65-F5344CB8AC3E}">
+        <p14:creationId xmlns:p14="http://schemas.microsoft.com/office/powerpoint/2010/main" val="4010133709"/>
+      </p:ext>
+    </p:extLst>
+  </p:cSld>
+  <p:clrMapOvr>
+    <a:masterClrMapping/>
+  </p:clrMapOvr>
+</p:sld>
+</file>
+
+<file path=ppt/slides/slide5.xml><?xml version="1.0" encoding="utf-8"?>
 <p:sld xmlns:a="http://schemas.openxmlformats.org/drawingml/2006/main" xmlns:r="http://schemas.openxmlformats.org/officeDocument/2006/relationships" xmlns:p="http://schemas.openxmlformats.org/presentationml/2006/main">
   <p:cSld>
     <p:spTree>
@@ -3815,7 +4685,7 @@
 </p:sld>
 </file>
 
-<file path=ppt/slides/slide5.xml><?xml version="1.0" encoding="utf-8"?>
+<file path=ppt/slides/slide6.xml><?xml version="1.0" encoding="utf-8"?>
 <p:sld xmlns:a="http://schemas.openxmlformats.org/drawingml/2006/main" xmlns:r="http://schemas.openxmlformats.org/officeDocument/2006/relationships" xmlns:p="http://schemas.openxmlformats.org/presentationml/2006/main">
   <p:cSld>
     <p:spTree>
@@ -3875,7 +4745,7 @@
 </p:sld>
 </file>
 
-<file path=ppt/slides/slide6.xml><?xml version="1.0" encoding="utf-8"?>
+<file path=ppt/slides/slide7.xml><?xml version="1.0" encoding="utf-8"?>
 <p:sld xmlns:a="http://schemas.openxmlformats.org/drawingml/2006/main" xmlns:r="http://schemas.openxmlformats.org/officeDocument/2006/relationships" xmlns:p="http://schemas.openxmlformats.org/presentationml/2006/main">
   <p:cSld>
     <p:spTree>
@@ -4153,7 +5023,7 @@
 </p:sld>
 </file>
 
-<file path=ppt/slides/slide7.xml><?xml version="1.0" encoding="utf-8"?>
+<file path=ppt/slides/slide8.xml><?xml version="1.0" encoding="utf-8"?>
 <p:sld xmlns:a="http://schemas.openxmlformats.org/drawingml/2006/main" xmlns:r="http://schemas.openxmlformats.org/officeDocument/2006/relationships" xmlns:p="http://schemas.openxmlformats.org/presentationml/2006/main">
   <p:cSld>
     <p:spTree>
@@ -4280,7 +5150,7 @@
 </p:sld>
 </file>
 
-<file path=ppt/slides/slide8.xml><?xml version="1.0" encoding="utf-8"?>
+<file path=ppt/slides/slide9.xml><?xml version="1.0" encoding="utf-8"?>
 <p:sld xmlns:a="http://schemas.openxmlformats.org/drawingml/2006/main" xmlns:r="http://schemas.openxmlformats.org/officeDocument/2006/relationships" xmlns:p="http://schemas.openxmlformats.org/presentationml/2006/main">
   <p:cSld>
     <p:spTree>
@@ -5020,746 +5890,6 @@
 </p:sld>
 </file>
 
-<file path=ppt/slides/slide9.xml><?xml version="1.0" encoding="utf-8"?>
-<p:sld xmlns:a="http://schemas.openxmlformats.org/drawingml/2006/main" xmlns:r="http://schemas.openxmlformats.org/officeDocument/2006/relationships" xmlns:p="http://schemas.openxmlformats.org/presentationml/2006/main">
-  <p:cSld>
-    <p:spTree>
-      <p:nvGrpSpPr>
-        <p:cNvPr id="1" name=""/>
-        <p:cNvGrpSpPr/>
-        <p:nvPr/>
-      </p:nvGrpSpPr>
-      <p:grpSpPr>
-        <a:xfrm>
-          <a:off x="0" y="0"/>
-          <a:ext cx="0" cy="0"/>
-          <a:chOff x="0" y="0"/>
-          <a:chExt cx="0" cy="0"/>
-        </a:xfrm>
-      </p:grpSpPr>
-      <p:sp>
-        <p:nvSpPr>
-          <p:cNvPr id="4" name="TextBox 3">
-            <a:extLst>
-              <a:ext uri="{FF2B5EF4-FFF2-40B4-BE49-F238E27FC236}">
-                <a16:creationId xmlns:a16="http://schemas.microsoft.com/office/drawing/2014/main" id="{3CD35897-3585-FE4B-8434-11971309CD3C}"/>
-              </a:ext>
-            </a:extLst>
-          </p:cNvPr>
-          <p:cNvSpPr txBox="1"/>
-          <p:nvPr/>
-        </p:nvSpPr>
-        <p:spPr>
-          <a:xfrm>
-            <a:off x="1283713" y="622113"/>
-            <a:ext cx="2896049" cy="2031325"/>
-          </a:xfrm>
-          <a:prstGeom prst="rect">
-            <a:avLst/>
-          </a:prstGeom>
-          <a:noFill/>
-        </p:spPr>
-        <p:txBody>
-          <a:bodyPr wrap="none" rtlCol="0">
-            <a:spAutoFit/>
-          </a:bodyPr>
-          <a:lstStyle/>
-          <a:p>
-            <a:r>
-              <a:rPr lang="en-US" b="1" dirty="0">
-                <a:solidFill>
-                  <a:schemeClr val="accent1">
-                    <a:lumMod val="75000"/>
-                  </a:schemeClr>
-                </a:solidFill>
-              </a:rPr>
-              <a:t>def</a:t>
-            </a:r>
-            <a:r>
-              <a:rPr lang="en-US" b="1" dirty="0"/>
-              <a:t> </a:t>
-            </a:r>
-            <a:r>
-              <a:rPr lang="en-US" dirty="0" err="1"/>
-              <a:t>func</a:t>
-            </a:r>
-            <a:r>
-              <a:rPr lang="en-US" dirty="0"/>
-              <a:t>():</a:t>
-            </a:r>
-            <a:br>
-              <a:rPr lang="en-US" dirty="0"/>
-            </a:br>
-            <a:r>
-              <a:rPr lang="en-US" dirty="0"/>
-              <a:t>    </a:t>
-            </a:r>
-            <a:r>
-              <a:rPr lang="en-US" dirty="0">
-                <a:solidFill>
-                  <a:schemeClr val="accent1">
-                    <a:lumMod val="50000"/>
-                  </a:schemeClr>
-                </a:solidFill>
-              </a:rPr>
-              <a:t>print</a:t>
-            </a:r>
-            <a:r>
-              <a:rPr lang="en-US" dirty="0"/>
-              <a:t>("Sleep for 1 second")</a:t>
-            </a:r>
-            <a:br>
-              <a:rPr lang="en-US" dirty="0"/>
-            </a:br>
-            <a:r>
-              <a:rPr lang="en-US" dirty="0"/>
-              <a:t>    sleep(1)</a:t>
-            </a:r>
-            <a:br>
-              <a:rPr lang="en-US" dirty="0"/>
-            </a:br>
-            <a:br>
-              <a:rPr lang="en-US" dirty="0"/>
-            </a:br>
-            <a:br>
-              <a:rPr lang="en-US" dirty="0"/>
-            </a:br>
-            <a:r>
-              <a:rPr lang="en-US" dirty="0" err="1"/>
-              <a:t>func</a:t>
-            </a:r>
-            <a:r>
-              <a:rPr lang="en-US" dirty="0"/>
-              <a:t>()</a:t>
-            </a:r>
-            <a:br>
-              <a:rPr lang="en-US" dirty="0"/>
-            </a:br>
-            <a:r>
-              <a:rPr lang="en-US" dirty="0" err="1"/>
-              <a:t>func</a:t>
-            </a:r>
-            <a:r>
-              <a:rPr lang="en-US" dirty="0"/>
-              <a:t>()</a:t>
-            </a:r>
-          </a:p>
-        </p:txBody>
-      </p:sp>
-      <p:pic>
-        <p:nvPicPr>
-          <p:cNvPr id="6" name="Picture 5" descr="A screenshot of a cell phone&#10;&#10;Description automatically generated">
-            <a:extLst>
-              <a:ext uri="{FF2B5EF4-FFF2-40B4-BE49-F238E27FC236}">
-                <a16:creationId xmlns:a16="http://schemas.microsoft.com/office/drawing/2014/main" id="{A35CA63D-A2B5-A647-A321-4827E86D4E04}"/>
-              </a:ext>
-            </a:extLst>
-          </p:cNvPr>
-          <p:cNvPicPr>
-            <a:picLocks noChangeAspect="1"/>
-          </p:cNvPicPr>
-          <p:nvPr/>
-        </p:nvPicPr>
-        <p:blipFill>
-          <a:blip r:embed="rId2"/>
-          <a:stretch>
-            <a:fillRect/>
-          </a:stretch>
-        </p:blipFill>
-        <p:spPr>
-          <a:xfrm>
-            <a:off x="6096000" y="958325"/>
-            <a:ext cx="4991100" cy="1358900"/>
-          </a:xfrm>
-          <a:prstGeom prst="rect">
-            <a:avLst/>
-          </a:prstGeom>
-        </p:spPr>
-      </p:pic>
-      <p:sp>
-        <p:nvSpPr>
-          <p:cNvPr id="7" name="Right Arrow 6">
-            <a:extLst>
-              <a:ext uri="{FF2B5EF4-FFF2-40B4-BE49-F238E27FC236}">
-                <a16:creationId xmlns:a16="http://schemas.microsoft.com/office/drawing/2014/main" id="{164F32E5-A57B-4945-B83E-5F26B7F60EC8}"/>
-              </a:ext>
-            </a:extLst>
-          </p:cNvPr>
-          <p:cNvSpPr/>
-          <p:nvPr/>
-        </p:nvSpPr>
-        <p:spPr>
-          <a:xfrm>
-            <a:off x="4536958" y="1474938"/>
-            <a:ext cx="886812" cy="325677"/>
-          </a:xfrm>
-          <a:prstGeom prst="rightArrow">
-            <a:avLst/>
-          </a:prstGeom>
-        </p:spPr>
-        <p:style>
-          <a:lnRef idx="2">
-            <a:schemeClr val="accent1">
-              <a:shade val="50000"/>
-            </a:schemeClr>
-          </a:lnRef>
-          <a:fillRef idx="1">
-            <a:schemeClr val="accent1"/>
-          </a:fillRef>
-          <a:effectRef idx="0">
-            <a:schemeClr val="accent1"/>
-          </a:effectRef>
-          <a:fontRef idx="minor">
-            <a:schemeClr val="lt1"/>
-          </a:fontRef>
-        </p:style>
-        <p:txBody>
-          <a:bodyPr rtlCol="0" anchor="ctr"/>
-          <a:lstStyle/>
-          <a:p>
-            <a:pPr algn="ctr"/>
-            <a:endParaRPr lang="en-US"/>
-          </a:p>
-        </p:txBody>
-      </p:sp>
-      <p:sp>
-        <p:nvSpPr>
-          <p:cNvPr id="10" name="TextBox 9">
-            <a:extLst>
-              <a:ext uri="{FF2B5EF4-FFF2-40B4-BE49-F238E27FC236}">
-                <a16:creationId xmlns:a16="http://schemas.microsoft.com/office/drawing/2014/main" id="{5FC615C0-66FB-EF41-BF17-79371234282D}"/>
-              </a:ext>
-            </a:extLst>
-          </p:cNvPr>
-          <p:cNvSpPr txBox="1"/>
-          <p:nvPr/>
-        </p:nvSpPr>
-        <p:spPr>
-          <a:xfrm>
-            <a:off x="1283713" y="4708711"/>
-            <a:ext cx="2294603" cy="369332"/>
-          </a:xfrm>
-          <a:prstGeom prst="rect">
-            <a:avLst/>
-          </a:prstGeom>
-          <a:noFill/>
-        </p:spPr>
-        <p:txBody>
-          <a:bodyPr wrap="none" rtlCol="0">
-            <a:spAutoFit/>
-          </a:bodyPr>
-          <a:lstStyle/>
-          <a:p>
-            <a:r>
-              <a:rPr lang="en-US" b="1" dirty="0"/>
-              <a:t>Using Multiprocessing</a:t>
-            </a:r>
-          </a:p>
-        </p:txBody>
-      </p:sp>
-      <p:sp>
-        <p:nvSpPr>
-          <p:cNvPr id="15" name="Right Arrow 14">
-            <a:extLst>
-              <a:ext uri="{FF2B5EF4-FFF2-40B4-BE49-F238E27FC236}">
-                <a16:creationId xmlns:a16="http://schemas.microsoft.com/office/drawing/2014/main" id="{F21DD668-0186-CC42-89F1-11AA5984BFB9}"/>
-              </a:ext>
-            </a:extLst>
-          </p:cNvPr>
-          <p:cNvSpPr/>
-          <p:nvPr/>
-        </p:nvSpPr>
-        <p:spPr>
-          <a:xfrm>
-            <a:off x="4536958" y="4699761"/>
-            <a:ext cx="886812" cy="325677"/>
-          </a:xfrm>
-          <a:prstGeom prst="rightArrow">
-            <a:avLst/>
-          </a:prstGeom>
-        </p:spPr>
-        <p:style>
-          <a:lnRef idx="2">
-            <a:schemeClr val="accent1">
-              <a:shade val="50000"/>
-            </a:schemeClr>
-          </a:lnRef>
-          <a:fillRef idx="1">
-            <a:schemeClr val="accent1"/>
-          </a:fillRef>
-          <a:effectRef idx="0">
-            <a:schemeClr val="accent1"/>
-          </a:effectRef>
-          <a:fontRef idx="minor">
-            <a:schemeClr val="lt1"/>
-          </a:fontRef>
-        </p:style>
-        <p:txBody>
-          <a:bodyPr rtlCol="0" anchor="ctr"/>
-          <a:lstStyle/>
-          <a:p>
-            <a:pPr algn="ctr"/>
-            <a:endParaRPr lang="en-US"/>
-          </a:p>
-        </p:txBody>
-      </p:sp>
-      <p:pic>
-        <p:nvPicPr>
-          <p:cNvPr id="8" name="Picture 7" descr="A screenshot of a cell phone&#10;&#10;Description automatically generated">
-            <a:extLst>
-              <a:ext uri="{FF2B5EF4-FFF2-40B4-BE49-F238E27FC236}">
-                <a16:creationId xmlns:a16="http://schemas.microsoft.com/office/drawing/2014/main" id="{DA782B30-3126-7B47-96A6-1B02751D6000}"/>
-              </a:ext>
-            </a:extLst>
-          </p:cNvPr>
-          <p:cNvPicPr>
-            <a:picLocks noChangeAspect="1"/>
-          </p:cNvPicPr>
-          <p:nvPr/>
-        </p:nvPicPr>
-        <p:blipFill>
-          <a:blip r:embed="rId3"/>
-          <a:stretch>
-            <a:fillRect/>
-          </a:stretch>
-        </p:blipFill>
-        <p:spPr>
-          <a:xfrm>
-            <a:off x="6096000" y="3429000"/>
-            <a:ext cx="4318868" cy="2751129"/>
-          </a:xfrm>
-          <a:prstGeom prst="rect">
-            <a:avLst/>
-          </a:prstGeom>
-        </p:spPr>
-      </p:pic>
-      <p:sp>
-        <p:nvSpPr>
-          <p:cNvPr id="11" name="TextBox 10">
-            <a:extLst>
-              <a:ext uri="{FF2B5EF4-FFF2-40B4-BE49-F238E27FC236}">
-                <a16:creationId xmlns:a16="http://schemas.microsoft.com/office/drawing/2014/main" id="{44C505BB-0D78-2C49-BD08-87B5789C9249}"/>
-              </a:ext>
-            </a:extLst>
-          </p:cNvPr>
-          <p:cNvSpPr txBox="1"/>
-          <p:nvPr/>
-        </p:nvSpPr>
-        <p:spPr>
-          <a:xfrm>
-            <a:off x="7315200" y="3059668"/>
-            <a:ext cx="1067408" cy="369332"/>
-          </a:xfrm>
-          <a:prstGeom prst="rect">
-            <a:avLst/>
-          </a:prstGeom>
-          <a:noFill/>
-        </p:spPr>
-        <p:txBody>
-          <a:bodyPr wrap="none" rtlCol="0">
-            <a:spAutoFit/>
-          </a:bodyPr>
-          <a:lstStyle/>
-          <a:p>
-            <a:r>
-              <a:rPr lang="en-US" dirty="0"/>
-              <a:t>process 1</a:t>
-            </a:r>
-          </a:p>
-        </p:txBody>
-      </p:sp>
-      <p:sp>
-        <p:nvSpPr>
-          <p:cNvPr id="13" name="TextBox 12">
-            <a:extLst>
-              <a:ext uri="{FF2B5EF4-FFF2-40B4-BE49-F238E27FC236}">
-                <a16:creationId xmlns:a16="http://schemas.microsoft.com/office/drawing/2014/main" id="{2FE74887-E024-CF42-A619-BE029BB754B1}"/>
-              </a:ext>
-            </a:extLst>
-          </p:cNvPr>
-          <p:cNvSpPr txBox="1"/>
-          <p:nvPr/>
-        </p:nvSpPr>
-        <p:spPr>
-          <a:xfrm>
-            <a:off x="7315200" y="5210201"/>
-            <a:ext cx="1067408" cy="369332"/>
-          </a:xfrm>
-          <a:prstGeom prst="rect">
-            <a:avLst/>
-          </a:prstGeom>
-          <a:noFill/>
-        </p:spPr>
-        <p:txBody>
-          <a:bodyPr wrap="none" rtlCol="0">
-            <a:spAutoFit/>
-          </a:bodyPr>
-          <a:lstStyle/>
-          <a:p>
-            <a:r>
-              <a:rPr lang="en-US" dirty="0"/>
-              <a:t>process 2</a:t>
-            </a:r>
-          </a:p>
-        </p:txBody>
-      </p:sp>
-    </p:spTree>
-    <p:extLst>
-      <p:ext uri="{BB962C8B-B14F-4D97-AF65-F5344CB8AC3E}">
-        <p14:creationId xmlns:p14="http://schemas.microsoft.com/office/powerpoint/2010/main" val="4138443157"/>
-      </p:ext>
-    </p:extLst>
-  </p:cSld>
-  <p:clrMapOvr>
-    <a:masterClrMapping/>
-  </p:clrMapOvr>
-  <p:timing>
-    <p:tnLst>
-      <p:par>
-        <p:cTn id="1" dur="indefinite" restart="never" nodeType="tmRoot">
-          <p:childTnLst>
-            <p:seq concurrent="1" nextAc="seek">
-              <p:cTn id="2" dur="indefinite" nodeType="mainSeq">
-                <p:childTnLst>
-                  <p:par>
-                    <p:cTn id="3" fill="hold">
-                      <p:stCondLst>
-                        <p:cond delay="indefinite"/>
-                      </p:stCondLst>
-                      <p:childTnLst>
-                        <p:par>
-                          <p:cTn id="4" fill="hold">
-                            <p:stCondLst>
-                              <p:cond delay="0"/>
-                            </p:stCondLst>
-                            <p:childTnLst>
-                              <p:par>
-                                <p:cTn id="5" presetID="12" presetClass="entr" presetSubtype="4" fill="hold" grpId="0" nodeType="clickEffect">
-                                  <p:stCondLst>
-                                    <p:cond delay="0"/>
-                                  </p:stCondLst>
-                                  <p:childTnLst>
-                                    <p:set>
-                                      <p:cBhvr>
-                                        <p:cTn id="6" dur="1" fill="hold">
-                                          <p:stCondLst>
-                                            <p:cond delay="0"/>
-                                          </p:stCondLst>
-                                        </p:cTn>
-                                        <p:tgtEl>
-                                          <p:spTgt spid="10"/>
-                                        </p:tgtEl>
-                                        <p:attrNameLst>
-                                          <p:attrName>style.visibility</p:attrName>
-                                        </p:attrNameLst>
-                                      </p:cBhvr>
-                                      <p:to>
-                                        <p:strVal val="visible"/>
-                                      </p:to>
-                                    </p:set>
-                                    <p:anim calcmode="lin" valueType="num">
-                                      <p:cBhvr additive="base">
-                                        <p:cTn id="7" dur="500"/>
-                                        <p:tgtEl>
-                                          <p:spTgt spid="10"/>
-                                        </p:tgtEl>
-                                        <p:attrNameLst>
-                                          <p:attrName>ppt_y</p:attrName>
-                                        </p:attrNameLst>
-                                      </p:cBhvr>
-                                      <p:tavLst>
-                                        <p:tav tm="0">
-                                          <p:val>
-                                            <p:strVal val="#ppt_y+#ppt_h*1.125000"/>
-                                          </p:val>
-                                        </p:tav>
-                                        <p:tav tm="100000">
-                                          <p:val>
-                                            <p:strVal val="#ppt_y"/>
-                                          </p:val>
-                                        </p:tav>
-                                      </p:tavLst>
-                                    </p:anim>
-                                    <p:animEffect transition="in" filter="wipe(up)">
-                                      <p:cBhvr>
-                                        <p:cTn id="8" dur="500"/>
-                                        <p:tgtEl>
-                                          <p:spTgt spid="10"/>
-                                        </p:tgtEl>
-                                      </p:cBhvr>
-                                    </p:animEffect>
-                                  </p:childTnLst>
-                                </p:cTn>
-                              </p:par>
-                              <p:par>
-                                <p:cTn id="9" presetID="12" presetClass="entr" presetSubtype="4" fill="hold" grpId="0" nodeType="withEffect">
-                                  <p:stCondLst>
-                                    <p:cond delay="0"/>
-                                  </p:stCondLst>
-                                  <p:childTnLst>
-                                    <p:set>
-                                      <p:cBhvr>
-                                        <p:cTn id="10" dur="1" fill="hold">
-                                          <p:stCondLst>
-                                            <p:cond delay="0"/>
-                                          </p:stCondLst>
-                                        </p:cTn>
-                                        <p:tgtEl>
-                                          <p:spTgt spid="15"/>
-                                        </p:tgtEl>
-                                        <p:attrNameLst>
-                                          <p:attrName>style.visibility</p:attrName>
-                                        </p:attrNameLst>
-                                      </p:cBhvr>
-                                      <p:to>
-                                        <p:strVal val="visible"/>
-                                      </p:to>
-                                    </p:set>
-                                    <p:anim calcmode="lin" valueType="num">
-                                      <p:cBhvr additive="base">
-                                        <p:cTn id="11" dur="500"/>
-                                        <p:tgtEl>
-                                          <p:spTgt spid="15"/>
-                                        </p:tgtEl>
-                                        <p:attrNameLst>
-                                          <p:attrName>ppt_y</p:attrName>
-                                        </p:attrNameLst>
-                                      </p:cBhvr>
-                                      <p:tavLst>
-                                        <p:tav tm="0">
-                                          <p:val>
-                                            <p:strVal val="#ppt_y+#ppt_h*1.125000"/>
-                                          </p:val>
-                                        </p:tav>
-                                        <p:tav tm="100000">
-                                          <p:val>
-                                            <p:strVal val="#ppt_y"/>
-                                          </p:val>
-                                        </p:tav>
-                                      </p:tavLst>
-                                    </p:anim>
-                                    <p:animEffect transition="in" filter="wipe(up)">
-                                      <p:cBhvr>
-                                        <p:cTn id="12" dur="500"/>
-                                        <p:tgtEl>
-                                          <p:spTgt spid="15"/>
-                                        </p:tgtEl>
-                                      </p:cBhvr>
-                                    </p:animEffect>
-                                  </p:childTnLst>
-                                </p:cTn>
-                              </p:par>
-                              <p:par>
-                                <p:cTn id="13" presetID="12" presetClass="entr" presetSubtype="4" fill="hold" nodeType="withEffect">
-                                  <p:stCondLst>
-                                    <p:cond delay="0"/>
-                                  </p:stCondLst>
-                                  <p:childTnLst>
-                                    <p:set>
-                                      <p:cBhvr>
-                                        <p:cTn id="14" dur="1" fill="hold">
-                                          <p:stCondLst>
-                                            <p:cond delay="0"/>
-                                          </p:stCondLst>
-                                        </p:cTn>
-                                        <p:tgtEl>
-                                          <p:spTgt spid="8"/>
-                                        </p:tgtEl>
-                                        <p:attrNameLst>
-                                          <p:attrName>style.visibility</p:attrName>
-                                        </p:attrNameLst>
-                                      </p:cBhvr>
-                                      <p:to>
-                                        <p:strVal val="visible"/>
-                                      </p:to>
-                                    </p:set>
-                                    <p:anim calcmode="lin" valueType="num">
-                                      <p:cBhvr additive="base">
-                                        <p:cTn id="15" dur="500"/>
-                                        <p:tgtEl>
-                                          <p:spTgt spid="8"/>
-                                        </p:tgtEl>
-                                        <p:attrNameLst>
-                                          <p:attrName>ppt_y</p:attrName>
-                                        </p:attrNameLst>
-                                      </p:cBhvr>
-                                      <p:tavLst>
-                                        <p:tav tm="0">
-                                          <p:val>
-                                            <p:strVal val="#ppt_y+#ppt_h*1.125000"/>
-                                          </p:val>
-                                        </p:tav>
-                                        <p:tav tm="100000">
-                                          <p:val>
-                                            <p:strVal val="#ppt_y"/>
-                                          </p:val>
-                                        </p:tav>
-                                      </p:tavLst>
-                                    </p:anim>
-                                    <p:animEffect transition="in" filter="wipe(up)">
-                                      <p:cBhvr>
-                                        <p:cTn id="16" dur="500"/>
-                                        <p:tgtEl>
-                                          <p:spTgt spid="8"/>
-                                        </p:tgtEl>
-                                      </p:cBhvr>
-                                    </p:animEffect>
-                                  </p:childTnLst>
-                                </p:cTn>
-                              </p:par>
-                              <p:par>
-                                <p:cTn id="17" presetID="12" presetClass="entr" presetSubtype="4" fill="hold" grpId="0" nodeType="withEffect">
-                                  <p:stCondLst>
-                                    <p:cond delay="0"/>
-                                  </p:stCondLst>
-                                  <p:childTnLst>
-                                    <p:set>
-                                      <p:cBhvr>
-                                        <p:cTn id="18" dur="1" fill="hold">
-                                          <p:stCondLst>
-                                            <p:cond delay="0"/>
-                                          </p:stCondLst>
-                                        </p:cTn>
-                                        <p:tgtEl>
-                                          <p:spTgt spid="11"/>
-                                        </p:tgtEl>
-                                        <p:attrNameLst>
-                                          <p:attrName>style.visibility</p:attrName>
-                                        </p:attrNameLst>
-                                      </p:cBhvr>
-                                      <p:to>
-                                        <p:strVal val="visible"/>
-                                      </p:to>
-                                    </p:set>
-                                    <p:anim calcmode="lin" valueType="num">
-                                      <p:cBhvr additive="base">
-                                        <p:cTn id="19" dur="500"/>
-                                        <p:tgtEl>
-                                          <p:spTgt spid="11"/>
-                                        </p:tgtEl>
-                                        <p:attrNameLst>
-                                          <p:attrName>ppt_y</p:attrName>
-                                        </p:attrNameLst>
-                                      </p:cBhvr>
-                                      <p:tavLst>
-                                        <p:tav tm="0">
-                                          <p:val>
-                                            <p:strVal val="#ppt_y+#ppt_h*1.125000"/>
-                                          </p:val>
-                                        </p:tav>
-                                        <p:tav tm="100000">
-                                          <p:val>
-                                            <p:strVal val="#ppt_y"/>
-                                          </p:val>
-                                        </p:tav>
-                                      </p:tavLst>
-                                    </p:anim>
-                                    <p:animEffect transition="in" filter="wipe(up)">
-                                      <p:cBhvr>
-                                        <p:cTn id="20" dur="500"/>
-                                        <p:tgtEl>
-                                          <p:spTgt spid="11"/>
-                                        </p:tgtEl>
-                                      </p:cBhvr>
-                                    </p:animEffect>
-                                  </p:childTnLst>
-                                </p:cTn>
-                              </p:par>
-                              <p:par>
-                                <p:cTn id="21" presetID="12" presetClass="entr" presetSubtype="4" fill="hold" grpId="0" nodeType="withEffect">
-                                  <p:stCondLst>
-                                    <p:cond delay="0"/>
-                                  </p:stCondLst>
-                                  <p:childTnLst>
-                                    <p:set>
-                                      <p:cBhvr>
-                                        <p:cTn id="22" dur="1" fill="hold">
-                                          <p:stCondLst>
-                                            <p:cond delay="0"/>
-                                          </p:stCondLst>
-                                        </p:cTn>
-                                        <p:tgtEl>
-                                          <p:spTgt spid="13"/>
-                                        </p:tgtEl>
-                                        <p:attrNameLst>
-                                          <p:attrName>style.visibility</p:attrName>
-                                        </p:attrNameLst>
-                                      </p:cBhvr>
-                                      <p:to>
-                                        <p:strVal val="visible"/>
-                                      </p:to>
-                                    </p:set>
-                                    <p:anim calcmode="lin" valueType="num">
-                                      <p:cBhvr additive="base">
-                                        <p:cTn id="23" dur="500"/>
-                                        <p:tgtEl>
-                                          <p:spTgt spid="13"/>
-                                        </p:tgtEl>
-                                        <p:attrNameLst>
-                                          <p:attrName>ppt_y</p:attrName>
-                                        </p:attrNameLst>
-                                      </p:cBhvr>
-                                      <p:tavLst>
-                                        <p:tav tm="0">
-                                          <p:val>
-                                            <p:strVal val="#ppt_y+#ppt_h*1.125000"/>
-                                          </p:val>
-                                        </p:tav>
-                                        <p:tav tm="100000">
-                                          <p:val>
-                                            <p:strVal val="#ppt_y"/>
-                                          </p:val>
-                                        </p:tav>
-                                      </p:tavLst>
-                                    </p:anim>
-                                    <p:animEffect transition="in" filter="wipe(up)">
-                                      <p:cBhvr>
-                                        <p:cTn id="24" dur="500"/>
-                                        <p:tgtEl>
-                                          <p:spTgt spid="13"/>
-                                        </p:tgtEl>
-                                      </p:cBhvr>
-                                    </p:animEffect>
-                                  </p:childTnLst>
-                                </p:cTn>
-                              </p:par>
-                            </p:childTnLst>
-                          </p:cTn>
-                        </p:par>
-                      </p:childTnLst>
-                    </p:cTn>
-                  </p:par>
-                </p:childTnLst>
-              </p:cTn>
-              <p:prevCondLst>
-                <p:cond evt="onPrev" delay="0">
-                  <p:tgtEl>
-                    <p:sldTgt/>
-                  </p:tgtEl>
-                </p:cond>
-              </p:prevCondLst>
-              <p:nextCondLst>
-                <p:cond evt="onNext" delay="0">
-                  <p:tgtEl>
-                    <p:sldTgt/>
-                  </p:tgtEl>
-                </p:cond>
-              </p:nextCondLst>
-            </p:seq>
-          </p:childTnLst>
-        </p:cTn>
-      </p:par>
-    </p:tnLst>
-    <p:bldLst>
-      <p:bldP spid="10" grpId="0"/>
-      <p:bldP spid="15" grpId="0" animBg="1"/>
-      <p:bldP spid="11" grpId="0"/>
-      <p:bldP spid="13" grpId="0"/>
-    </p:bldLst>
-  </p:timing>
-</p:sld>
-</file>
-
 <file path=ppt/theme/theme1.xml><?xml version="1.0" encoding="utf-8"?>
 <a:theme xmlns:a="http://schemas.openxmlformats.org/drawingml/2006/main" name="Office Theme">
   <a:themeElements>
